--- a/Presentations/Introduction.pptx
+++ b/Presentations/Introduction.pptx
@@ -4421,14 +4421,14 @@
           </a:ln>
           <a:extLst>
             <a:ext uri="{909E8E84-426E-40dd-AFC4-6F175D3DCCD1}">
-              <a14:hiddenFill xmlns:a14="http://schemas.microsoft.com/office/drawing/2010/main" xmlns="">
+              <a14:hiddenFill xmlns="" xmlns:a14="http://schemas.microsoft.com/office/drawing/2010/main">
                 <a:solidFill>
                   <a:srgbClr val="FFFFFF"/>
                 </a:solidFill>
               </a14:hiddenFill>
             </a:ext>
             <a:ext uri="{91240B29-F687-4f45-9708-019B960494DF}">
-              <a14:hiddenLine xmlns:a14="http://schemas.microsoft.com/office/drawing/2010/main" xmlns="" w="9525">
+              <a14:hiddenLine xmlns="" xmlns:a14="http://schemas.microsoft.com/office/drawing/2010/main" w="9525">
                 <a:solidFill>
                   <a:srgbClr val="000000"/>
                 </a:solidFill>
@@ -9645,30 +9645,6 @@
 </file>
 
 <file path=customXml/item1.xml><?xml version="1.0" encoding="utf-8"?>
-<?mso-contentType ?>
-<FormTemplates xmlns="http://schemas.microsoft.com/sharepoint/v3/contenttype/forms">
-  <Display>DocumentLibraryForm</Display>
-  <Edit>DocumentLibraryForm</Edit>
-  <New>DocumentLibraryForm</New>
-</FormTemplates>
-</file>
-
-<file path=customXml/item2.xml><?xml version="1.0" encoding="utf-8"?>
-<p:properties xmlns:p="http://schemas.microsoft.com/office/2006/metadata/properties" xmlns:xsi="http://www.w3.org/2001/XMLSchema-instance" xmlns:pc="http://schemas.microsoft.com/office/infopath/2007/PartnerControls">
-  <documentManagement>
-    <c6664f9864b54a78bdf9e6230de1c78b xmlns="6c73e52c-07d4-4617-ab67-464747257e8d">
-      <Terms xmlns="http://schemas.microsoft.com/office/infopath/2007/PartnerControls"/>
-    </c6664f9864b54a78bdf9e6230de1c78b>
-    <_Flow_SignoffStatus xmlns="ab37b2fe-4f81-426e-b942-40459dbac68c" xsi:nil="true"/>
-    <lcf76f155ced4ddcb4097134ff3c332f xmlns="ab37b2fe-4f81-426e-b942-40459dbac68c">
-      <Terms xmlns="http://schemas.microsoft.com/office/infopath/2007/PartnerControls"/>
-    </lcf76f155ced4ddcb4097134ff3c332f>
-    <Metadata xmlns="ab37b2fe-4f81-426e-b942-40459dbac68c" xsi:nil="true"/>
-  </documentManagement>
-</p:properties>
-</file>
-
-<file path=customXml/item3.xml><?xml version="1.0" encoding="utf-8"?>
 <ct:contentTypeSchema xmlns:ct="http://schemas.microsoft.com/office/2006/metadata/contentType" xmlns:ma="http://schemas.microsoft.com/office/2006/metadata/properties/metaAttributes" ct:_="" ma:_="" ma:contentTypeName="Document" ma:contentTypeID="0x010100294690D6A57C3C4B8650464765815F1C" ma:contentTypeVersion="21" ma:contentTypeDescription="Een nieuw document maken." ma:contentTypeScope="" ma:versionID="079952abf4e1bc347973cfc2a96727c2">
   <xsd:schema xmlns:xsd="http://www.w3.org/2001/XMLSchema" xmlns:xs="http://www.w3.org/2001/XMLSchema" xmlns:p="http://schemas.microsoft.com/office/2006/metadata/properties" xmlns:ns2="45f6ce90-ba85-4ef2-b43f-c64448cd95eb" xmlns:ns3="c7549584-aa9c-449c-abfe-2ca02f3a7188" xmlns:ns4="6c73e52c-07d4-4617-ab67-464747257e8d" xmlns:ns5="ab37b2fe-4f81-426e-b942-40459dbac68c" targetNamespace="http://schemas.microsoft.com/office/2006/metadata/properties" ma:root="true" ma:fieldsID="401d8af6eba29e514fab5ef971f770bd" ns2:_="" ns3:_="" ns4:_="" ns5:_="">
     <xsd:import namespace="45f6ce90-ba85-4ef2-b43f-c64448cd95eb"/>
@@ -9943,10 +9919,47 @@
 </ct:contentTypeSchema>
 </file>
 
+<file path=customXml/item2.xml><?xml version="1.0" encoding="utf-8"?>
+<p:properties xmlns:p="http://schemas.microsoft.com/office/2006/metadata/properties" xmlns:xsi="http://www.w3.org/2001/XMLSchema-instance" xmlns:pc="http://schemas.microsoft.com/office/infopath/2007/PartnerControls">
+  <documentManagement>
+    <c6664f9864b54a78bdf9e6230de1c78b xmlns="6c73e52c-07d4-4617-ab67-464747257e8d">
+      <Terms xmlns="http://schemas.microsoft.com/office/infopath/2007/PartnerControls"/>
+    </c6664f9864b54a78bdf9e6230de1c78b>
+    <_Flow_SignoffStatus xmlns="ab37b2fe-4f81-426e-b942-40459dbac68c" xsi:nil="true"/>
+    <lcf76f155ced4ddcb4097134ff3c332f xmlns="ab37b2fe-4f81-426e-b942-40459dbac68c">
+      <Terms xmlns="http://schemas.microsoft.com/office/infopath/2007/PartnerControls"/>
+    </lcf76f155ced4ddcb4097134ff3c332f>
+    <Metadata xmlns="ab37b2fe-4f81-426e-b942-40459dbac68c" xsi:nil="true"/>
+  </documentManagement>
+</p:properties>
+</file>
+
+<file path=customXml/item3.xml><?xml version="1.0" encoding="utf-8"?>
+<?mso-contentType ?>
+<FormTemplates xmlns="http://schemas.microsoft.com/sharepoint/v3/contenttype/forms">
+  <Display>DocumentLibraryForm</Display>
+  <Edit>DocumentLibraryForm</Edit>
+  <New>DocumentLibraryForm</New>
+</FormTemplates>
+</file>
+
 <file path=customXml/itemProps1.xml><?xml version="1.0" encoding="utf-8"?>
-<ds:datastoreItem xmlns:ds="http://schemas.openxmlformats.org/officeDocument/2006/customXml" ds:itemID="{83EFEEBE-8D44-4465-B54D-FF4AB9CD1E15}">
+<ds:datastoreItem xmlns:ds="http://schemas.openxmlformats.org/officeDocument/2006/customXml" ds:itemID="{4D255457-8B39-424A-8EC1-956B24332DD8}">
   <ds:schemaRefs>
-    <ds:schemaRef ds:uri="http://schemas.microsoft.com/sharepoint/v3/contenttype/forms"/>
+    <ds:schemaRef ds:uri="http://schemas.microsoft.com/office/2006/metadata/contentType"/>
+    <ds:schemaRef ds:uri="http://schemas.microsoft.com/office/2006/metadata/properties/metaAttributes"/>
+    <ds:schemaRef ds:uri="http://www.w3.org/2001/XMLSchema"/>
+    <ds:schemaRef ds:uri="http://schemas.microsoft.com/office/2006/metadata/properties"/>
+    <ds:schemaRef ds:uri="45f6ce90-ba85-4ef2-b43f-c64448cd95eb"/>
+    <ds:schemaRef ds:uri="c7549584-aa9c-449c-abfe-2ca02f3a7188"/>
+    <ds:schemaRef ds:uri="6c73e52c-07d4-4617-ab67-464747257e8d"/>
+    <ds:schemaRef ds:uri="ab37b2fe-4f81-426e-b942-40459dbac68c"/>
+    <ds:schemaRef ds:uri="http://schemas.microsoft.com/office/2006/documentManagement/types"/>
+    <ds:schemaRef ds:uri="http://schemas.microsoft.com/office/infopath/2007/PartnerControls"/>
+    <ds:schemaRef ds:uri="http://schemas.openxmlformats.org/package/2006/metadata/core-properties"/>
+    <ds:schemaRef ds:uri="http://purl.org/dc/elements/1.1/"/>
+    <ds:schemaRef ds:uri="http://purl.org/dc/terms/"/>
+    <ds:schemaRef ds:uri="http://schemas.microsoft.com/internal/obd"/>
   </ds:schemaRefs>
 </ds:datastoreItem>
 </file>
@@ -9971,22 +9984,9 @@
 </file>
 
 <file path=customXml/itemProps3.xml><?xml version="1.0" encoding="utf-8"?>
-<ds:datastoreItem xmlns:ds="http://schemas.openxmlformats.org/officeDocument/2006/customXml" ds:itemID="{4D255457-8B39-424A-8EC1-956B24332DD8}">
+<ds:datastoreItem xmlns:ds="http://schemas.openxmlformats.org/officeDocument/2006/customXml" ds:itemID="{83EFEEBE-8D44-4465-B54D-FF4AB9CD1E15}">
   <ds:schemaRefs>
-    <ds:schemaRef ds:uri="http://schemas.microsoft.com/office/2006/metadata/contentType"/>
-    <ds:schemaRef ds:uri="http://schemas.microsoft.com/office/2006/metadata/properties/metaAttributes"/>
-    <ds:schemaRef ds:uri="http://www.w3.org/2001/XMLSchema"/>
-    <ds:schemaRef ds:uri="http://schemas.microsoft.com/office/2006/metadata/properties"/>
-    <ds:schemaRef ds:uri="45f6ce90-ba85-4ef2-b43f-c64448cd95eb"/>
-    <ds:schemaRef ds:uri="c7549584-aa9c-449c-abfe-2ca02f3a7188"/>
-    <ds:schemaRef ds:uri="6c73e52c-07d4-4617-ab67-464747257e8d"/>
-    <ds:schemaRef ds:uri="ab37b2fe-4f81-426e-b942-40459dbac68c"/>
-    <ds:schemaRef ds:uri="http://schemas.microsoft.com/office/2006/documentManagement/types"/>
-    <ds:schemaRef ds:uri="http://schemas.microsoft.com/office/infopath/2007/PartnerControls"/>
-    <ds:schemaRef ds:uri="http://schemas.openxmlformats.org/package/2006/metadata/core-properties"/>
-    <ds:schemaRef ds:uri="http://purl.org/dc/elements/1.1/"/>
-    <ds:schemaRef ds:uri="http://purl.org/dc/terms/"/>
-    <ds:schemaRef ds:uri="http://schemas.microsoft.com/internal/obd"/>
+    <ds:schemaRef ds:uri="http://schemas.microsoft.com/sharepoint/v3/contenttype/forms"/>
   </ds:schemaRefs>
 </ds:datastoreItem>
 </file>